--- a/docs/m623/M623 Presentation - Py.pptx
+++ b/docs/m623/M623 Presentation - Py.pptx
@@ -9,10 +9,15 @@
     <p:sldId id="263" r:id="rId3"/>
     <p:sldId id="257" r:id="rId4"/>
     <p:sldId id="258" r:id="rId5"/>
-    <p:sldId id="259" r:id="rId6"/>
-    <p:sldId id="260" r:id="rId7"/>
-    <p:sldId id="261" r:id="rId8"/>
-    <p:sldId id="262" r:id="rId9"/>
+    <p:sldId id="265" r:id="rId6"/>
+    <p:sldId id="264" r:id="rId7"/>
+    <p:sldId id="266" r:id="rId8"/>
+    <p:sldId id="267" r:id="rId9"/>
+    <p:sldId id="259" r:id="rId10"/>
+    <p:sldId id="260" r:id="rId11"/>
+    <p:sldId id="261" r:id="rId12"/>
+    <p:sldId id="268" r:id="rId13"/>
+    <p:sldId id="262" r:id="rId14"/>
   </p:sldIdLst>
   <p:sldSz cx="12192000" cy="6858000"/>
   <p:notesSz cx="6858000" cy="9144000"/>
@@ -3064,6 +3069,459 @@
 </p:sld>
 </file>
 
+<file path=ppt/slides/slide10.xml><?xml version="1.0" encoding="utf-8"?>
+<p:sld xmlns:a="http://schemas.openxmlformats.org/drawingml/2006/main" xmlns:r="http://schemas.openxmlformats.org/officeDocument/2006/relationships" xmlns:p="http://schemas.openxmlformats.org/presentationml/2006/main">
+  <p:cSld>
+    <p:spTree>
+      <p:nvGrpSpPr>
+        <p:cNvPr id="1" name=""/>
+        <p:cNvGrpSpPr/>
+        <p:nvPr/>
+      </p:nvGrpSpPr>
+      <p:grpSpPr>
+        <a:xfrm>
+          <a:off x="0" y="0"/>
+          <a:ext cx="0" cy="0"/>
+          <a:chOff x="0" y="0"/>
+          <a:chExt cx="0" cy="0"/>
+        </a:xfrm>
+      </p:grpSpPr>
+      <p:sp>
+        <p:nvSpPr>
+          <p:cNvPr id="2" name="標題 1"/>
+          <p:cNvSpPr>
+            <a:spLocks noGrp="1"/>
+          </p:cNvSpPr>
+          <p:nvPr>
+            <p:ph type="title"/>
+          </p:nvPr>
+        </p:nvSpPr>
+        <p:spPr/>
+        <p:txBody>
+          <a:bodyPr/>
+          <a:lstStyle/>
+          <a:p>
+            <a:r>
+              <a:rPr lang="zh-TW" altLang="en-US" b="1" dirty="0" smtClean="0">
+                <a:latin typeface="SimHei" panose="02010609060101010101" pitchFamily="49" charset="-122"/>
+                <a:ea typeface="SimHei" panose="02010609060101010101" pitchFamily="49" charset="-122"/>
+              </a:rPr>
+              <a:t>遠足相片</a:t>
+            </a:r>
+            <a:endParaRPr lang="en-GB" b="1" dirty="0">
+              <a:latin typeface="SimHei" panose="02010609060101010101" pitchFamily="49" charset="-122"/>
+              <a:ea typeface="SimHei" panose="02010609060101010101" pitchFamily="49" charset="-122"/>
+            </a:endParaRPr>
+          </a:p>
+        </p:txBody>
+      </p:sp>
+      <p:pic>
+        <p:nvPicPr>
+          <p:cNvPr id="4" name="內容版面配置區 3"/>
+          <p:cNvPicPr>
+            <a:picLocks noGrp="1" noChangeAspect="1"/>
+          </p:cNvPicPr>
+          <p:nvPr>
+            <p:ph idx="1"/>
+          </p:nvPr>
+        </p:nvPicPr>
+        <p:blipFill>
+          <a:blip r:embed="rId2">
+            <a:extLst>
+              <a:ext uri="{28A0092B-C50C-407E-A947-70E740481C1C}">
+                <a14:useLocalDpi xmlns:a14="http://schemas.microsoft.com/office/drawing/2010/main" val="0"/>
+              </a:ext>
+            </a:extLst>
+          </a:blip>
+          <a:stretch>
+            <a:fillRect/>
+          </a:stretch>
+        </p:blipFill>
+        <p:spPr>
+          <a:xfrm>
+            <a:off x="1119343" y="1690688"/>
+            <a:ext cx="5801784" cy="4351338"/>
+          </a:xfrm>
+        </p:spPr>
+      </p:pic>
+      <p:pic>
+        <p:nvPicPr>
+          <p:cNvPr id="5" name="圖片 4"/>
+          <p:cNvPicPr>
+            <a:picLocks noChangeAspect="1"/>
+          </p:cNvPicPr>
+          <p:nvPr/>
+        </p:nvPicPr>
+        <p:blipFill>
+          <a:blip r:embed="rId3">
+            <a:extLst>
+              <a:ext uri="{28A0092B-C50C-407E-A947-70E740481C1C}">
+                <a14:useLocalDpi xmlns:a14="http://schemas.microsoft.com/office/drawing/2010/main" val="0"/>
+              </a:ext>
+            </a:extLst>
+          </a:blip>
+          <a:stretch>
+            <a:fillRect/>
+          </a:stretch>
+        </p:blipFill>
+        <p:spPr>
+          <a:xfrm>
+            <a:off x="7202270" y="1027906"/>
+            <a:ext cx="4242660" cy="5316583"/>
+          </a:xfrm>
+          <a:prstGeom prst="rect">
+            <a:avLst/>
+          </a:prstGeom>
+        </p:spPr>
+      </p:pic>
+    </p:spTree>
+    <p:extLst>
+      <p:ext uri="{BB962C8B-B14F-4D97-AF65-F5344CB8AC3E}">
+        <p14:creationId xmlns:p14="http://schemas.microsoft.com/office/powerpoint/2010/main" val="1710358175"/>
+      </p:ext>
+    </p:extLst>
+  </p:cSld>
+  <p:clrMapOvr>
+    <a:masterClrMapping/>
+  </p:clrMapOvr>
+</p:sld>
+</file>
+
+<file path=ppt/slides/slide11.xml><?xml version="1.0" encoding="utf-8"?>
+<p:sld xmlns:a="http://schemas.openxmlformats.org/drawingml/2006/main" xmlns:r="http://schemas.openxmlformats.org/officeDocument/2006/relationships" xmlns:p="http://schemas.openxmlformats.org/presentationml/2006/main">
+  <p:cSld>
+    <p:spTree>
+      <p:nvGrpSpPr>
+        <p:cNvPr id="1" name=""/>
+        <p:cNvGrpSpPr/>
+        <p:nvPr/>
+      </p:nvGrpSpPr>
+      <p:grpSpPr>
+        <a:xfrm>
+          <a:off x="0" y="0"/>
+          <a:ext cx="0" cy="0"/>
+          <a:chOff x="0" y="0"/>
+          <a:chExt cx="0" cy="0"/>
+        </a:xfrm>
+      </p:grpSpPr>
+      <p:sp>
+        <p:nvSpPr>
+          <p:cNvPr id="2" name="標題 1"/>
+          <p:cNvSpPr>
+            <a:spLocks noGrp="1"/>
+          </p:cNvSpPr>
+          <p:nvPr>
+            <p:ph type="title"/>
+          </p:nvPr>
+        </p:nvSpPr>
+        <p:spPr/>
+        <p:txBody>
+          <a:bodyPr/>
+          <a:lstStyle/>
+          <a:p>
+            <a:r>
+              <a:rPr lang="zh-TW" altLang="en-US" b="1" dirty="0" smtClean="0">
+                <a:latin typeface="SimHei" panose="02010609060101010101" pitchFamily="49" charset="-122"/>
+                <a:ea typeface="SimHei" panose="02010609060101010101" pitchFamily="49" charset="-122"/>
+              </a:rPr>
+              <a:t>行程通告</a:t>
+            </a:r>
+            <a:endParaRPr lang="en-GB" b="1" dirty="0">
+              <a:latin typeface="SimHei" panose="02010609060101010101" pitchFamily="49" charset="-122"/>
+              <a:ea typeface="SimHei" panose="02010609060101010101" pitchFamily="49" charset="-122"/>
+            </a:endParaRPr>
+          </a:p>
+        </p:txBody>
+      </p:sp>
+      <p:pic>
+        <p:nvPicPr>
+          <p:cNvPr id="4" name="內容版面配置區 3"/>
+          <p:cNvPicPr>
+            <a:picLocks noGrp="1" noChangeAspect="1"/>
+          </p:cNvPicPr>
+          <p:nvPr>
+            <p:ph idx="1"/>
+          </p:nvPr>
+        </p:nvPicPr>
+        <p:blipFill>
+          <a:blip r:embed="rId2"/>
+          <a:stretch>
+            <a:fillRect/>
+          </a:stretch>
+        </p:blipFill>
+        <p:spPr>
+          <a:xfrm>
+            <a:off x="1651235" y="1690688"/>
+            <a:ext cx="6155037" cy="4351338"/>
+          </a:xfrm>
+          <a:prstGeom prst="rect">
+            <a:avLst/>
+          </a:prstGeom>
+        </p:spPr>
+      </p:pic>
+      <p:sp>
+        <p:nvSpPr>
+          <p:cNvPr id="5" name="文字方塊 4"/>
+          <p:cNvSpPr txBox="1"/>
+          <p:nvPr/>
+        </p:nvSpPr>
+        <p:spPr>
+          <a:xfrm>
+            <a:off x="1651235" y="6183086"/>
+            <a:ext cx="7907383" cy="374469"/>
+          </a:xfrm>
+          <a:prstGeom prst="rect">
+            <a:avLst/>
+          </a:prstGeom>
+          <a:noFill/>
+        </p:spPr>
+        <p:txBody>
+          <a:bodyPr wrap="square" rtlCol="0">
+            <a:spAutoFit/>
+          </a:bodyPr>
+          <a:lstStyle/>
+          <a:p>
+            <a:r>
+              <a:rPr lang="en-GB" dirty="0"/>
+              <a:t>http://yungshehhikers.org/86-2018/86-routes/86-11-20180311.png</a:t>
+            </a:r>
+          </a:p>
+        </p:txBody>
+      </p:sp>
+    </p:spTree>
+    <p:extLst>
+      <p:ext uri="{BB962C8B-B14F-4D97-AF65-F5344CB8AC3E}">
+        <p14:creationId xmlns:p14="http://schemas.microsoft.com/office/powerpoint/2010/main" val="2805359318"/>
+      </p:ext>
+    </p:extLst>
+  </p:cSld>
+  <p:clrMapOvr>
+    <a:masterClrMapping/>
+  </p:clrMapOvr>
+</p:sld>
+</file>
+
+<file path=ppt/slides/slide12.xml><?xml version="1.0" encoding="utf-8"?>
+<p:sld xmlns:a="http://schemas.openxmlformats.org/drawingml/2006/main" xmlns:r="http://schemas.openxmlformats.org/officeDocument/2006/relationships" xmlns:p="http://schemas.openxmlformats.org/presentationml/2006/main">
+  <p:cSld>
+    <p:spTree>
+      <p:nvGrpSpPr>
+        <p:cNvPr id="1" name=""/>
+        <p:cNvGrpSpPr/>
+        <p:nvPr/>
+      </p:nvGrpSpPr>
+      <p:grpSpPr>
+        <a:xfrm>
+          <a:off x="0" y="0"/>
+          <a:ext cx="0" cy="0"/>
+          <a:chOff x="0" y="0"/>
+          <a:chExt cx="0" cy="0"/>
+        </a:xfrm>
+      </p:grpSpPr>
+      <p:sp>
+        <p:nvSpPr>
+          <p:cNvPr id="2" name="標題 1"/>
+          <p:cNvSpPr>
+            <a:spLocks noGrp="1"/>
+          </p:cNvSpPr>
+          <p:nvPr>
+            <p:ph type="title"/>
+          </p:nvPr>
+        </p:nvSpPr>
+        <p:spPr/>
+        <p:txBody>
+          <a:bodyPr/>
+          <a:lstStyle/>
+          <a:p>
+            <a:r>
+              <a:rPr lang="zh-TW" altLang="en-US" b="1" dirty="0" smtClean="0">
+                <a:latin typeface="SimHei" panose="02010609060101010101" pitchFamily="49" charset="-122"/>
+                <a:ea typeface="SimHei" panose="02010609060101010101" pitchFamily="49" charset="-122"/>
+              </a:rPr>
+              <a:t>計劃、記錄行程</a:t>
+            </a:r>
+            <a:r>
+              <a:rPr lang="en-US" altLang="zh-TW" b="1" dirty="0" smtClean="0">
+                <a:latin typeface="SimHei" panose="02010609060101010101" pitchFamily="49" charset="-122"/>
+                <a:ea typeface="SimHei" panose="02010609060101010101" pitchFamily="49" charset="-122"/>
+              </a:rPr>
+              <a:t>︰</a:t>
+            </a:r>
+            <a:r>
+              <a:rPr lang="zh-TW" altLang="en-US" b="1" dirty="0" smtClean="0">
+                <a:latin typeface="SimHei" panose="02010609060101010101" pitchFamily="49" charset="-122"/>
+                <a:ea typeface="SimHei" panose="02010609060101010101" pitchFamily="49" charset="-122"/>
+              </a:rPr>
+              <a:t>應用程式</a:t>
+            </a:r>
+            <a:endParaRPr lang="en-GB" b="1" dirty="0">
+              <a:latin typeface="SimHei" panose="02010609060101010101" pitchFamily="49" charset="-122"/>
+              <a:ea typeface="SimHei" panose="02010609060101010101" pitchFamily="49" charset="-122"/>
+            </a:endParaRPr>
+          </a:p>
+        </p:txBody>
+      </p:sp>
+      <p:sp>
+        <p:nvSpPr>
+          <p:cNvPr id="3" name="內容版面配置區 2"/>
+          <p:cNvSpPr>
+            <a:spLocks noGrp="1"/>
+          </p:cNvSpPr>
+          <p:nvPr>
+            <p:ph idx="1"/>
+          </p:nvPr>
+        </p:nvSpPr>
+        <p:spPr/>
+        <p:txBody>
+          <a:bodyPr/>
+          <a:lstStyle/>
+          <a:p>
+            <a:r>
+              <a:rPr lang="en-US" altLang="zh-TW" dirty="0" smtClean="0"/>
+              <a:t>[</a:t>
+            </a:r>
+            <a:r>
+              <a:rPr lang="zh-TW" altLang="en-US" dirty="0" smtClean="0"/>
+              <a:t>遠足相片</a:t>
+            </a:r>
+            <a:r>
+              <a:rPr lang="en-US" altLang="zh-TW" dirty="0" smtClean="0"/>
+              <a:t>]</a:t>
+            </a:r>
+          </a:p>
+          <a:p>
+            <a:r>
+              <a:rPr lang="en-US" altLang="zh-TW" dirty="0" smtClean="0"/>
+              <a:t>[</a:t>
+            </a:r>
+            <a:r>
+              <a:rPr lang="zh-TW" altLang="en-US" dirty="0" smtClean="0"/>
+              <a:t>行程通告</a:t>
+            </a:r>
+            <a:r>
+              <a:rPr lang="en-US" altLang="zh-TW" dirty="0" smtClean="0"/>
+              <a:t>]</a:t>
+            </a:r>
+          </a:p>
+          <a:p>
+            <a:r>
+              <a:rPr lang="en-US" altLang="zh-TW" dirty="0" smtClean="0"/>
+              <a:t>[</a:t>
+            </a:r>
+            <a:r>
+              <a:rPr lang="zh-TW" altLang="en-US" dirty="0" smtClean="0"/>
+              <a:t>遠足</a:t>
+            </a:r>
+            <a:r>
+              <a:rPr lang="en-US" altLang="zh-TW" dirty="0" smtClean="0"/>
+              <a:t> apps]</a:t>
+            </a:r>
+            <a:endParaRPr lang="en-GB" dirty="0"/>
+          </a:p>
+        </p:txBody>
+      </p:sp>
+    </p:spTree>
+    <p:extLst>
+      <p:ext uri="{BB962C8B-B14F-4D97-AF65-F5344CB8AC3E}">
+        <p14:creationId xmlns:p14="http://schemas.microsoft.com/office/powerpoint/2010/main" val="1961951742"/>
+      </p:ext>
+    </p:extLst>
+  </p:cSld>
+  <p:clrMapOvr>
+    <a:masterClrMapping/>
+  </p:clrMapOvr>
+</p:sld>
+</file>
+
+<file path=ppt/slides/slide13.xml><?xml version="1.0" encoding="utf-8"?>
+<p:sld xmlns:a="http://schemas.openxmlformats.org/drawingml/2006/main" xmlns:r="http://schemas.openxmlformats.org/officeDocument/2006/relationships" xmlns:p="http://schemas.openxmlformats.org/presentationml/2006/main">
+  <p:cSld>
+    <p:spTree>
+      <p:nvGrpSpPr>
+        <p:cNvPr id="1" name=""/>
+        <p:cNvGrpSpPr/>
+        <p:nvPr/>
+      </p:nvGrpSpPr>
+      <p:grpSpPr>
+        <a:xfrm>
+          <a:off x="0" y="0"/>
+          <a:ext cx="0" cy="0"/>
+          <a:chOff x="0" y="0"/>
+          <a:chExt cx="0" cy="0"/>
+        </a:xfrm>
+      </p:grpSpPr>
+      <p:sp>
+        <p:nvSpPr>
+          <p:cNvPr id="2" name="標題 1"/>
+          <p:cNvSpPr>
+            <a:spLocks noGrp="1"/>
+          </p:cNvSpPr>
+          <p:nvPr>
+            <p:ph type="title"/>
+          </p:nvPr>
+        </p:nvSpPr>
+        <p:spPr/>
+        <p:txBody>
+          <a:bodyPr/>
+          <a:lstStyle/>
+          <a:p>
+            <a:r>
+              <a:rPr lang="zh-TW" altLang="en-US" b="1" dirty="0" smtClean="0">
+                <a:latin typeface="SimHei" panose="02010609060101010101" pitchFamily="49" charset="-122"/>
+                <a:ea typeface="SimHei" panose="02010609060101010101" pitchFamily="49" charset="-122"/>
+              </a:rPr>
+              <a:t>後記</a:t>
+            </a:r>
+            <a:endParaRPr lang="en-GB" b="1" dirty="0">
+              <a:latin typeface="SimHei" panose="02010609060101010101" pitchFamily="49" charset="-122"/>
+              <a:ea typeface="SimHei" panose="02010609060101010101" pitchFamily="49" charset="-122"/>
+            </a:endParaRPr>
+          </a:p>
+        </p:txBody>
+      </p:sp>
+      <p:sp>
+        <p:nvSpPr>
+          <p:cNvPr id="3" name="內容版面配置區 2"/>
+          <p:cNvSpPr>
+            <a:spLocks noGrp="1"/>
+          </p:cNvSpPr>
+          <p:nvPr>
+            <p:ph idx="1"/>
+          </p:nvPr>
+        </p:nvSpPr>
+        <p:spPr/>
+        <p:txBody>
+          <a:bodyPr/>
+          <a:lstStyle/>
+          <a:p>
+            <a:r>
+              <a:rPr lang="zh-TW" altLang="en-US" dirty="0" smtClean="0"/>
+              <a:t>現在跟從前的</a:t>
+            </a:r>
+            <a:r>
+              <a:rPr lang="zh-TW" altLang="en-US" dirty="0" smtClean="0"/>
+              <a:t>比較</a:t>
+            </a:r>
+            <a:endParaRPr lang="en-US" altLang="zh-TW" dirty="0" smtClean="0"/>
+          </a:p>
+          <a:p>
+            <a:endParaRPr lang="en-GB" dirty="0"/>
+          </a:p>
+        </p:txBody>
+      </p:sp>
+    </p:spTree>
+    <p:extLst>
+      <p:ext uri="{BB962C8B-B14F-4D97-AF65-F5344CB8AC3E}">
+        <p14:creationId xmlns:p14="http://schemas.microsoft.com/office/powerpoint/2010/main" val="1393006496"/>
+      </p:ext>
+    </p:extLst>
+  </p:cSld>
+  <p:clrMapOvr>
+    <a:masterClrMapping/>
+  </p:clrMapOvr>
+</p:sld>
+</file>
+
 <file path=ppt/slides/slide2.xml><?xml version="1.0" encoding="utf-8"?>
 <p:sld xmlns:a="http://schemas.openxmlformats.org/drawingml/2006/main" xmlns:r="http://schemas.openxmlformats.org/officeDocument/2006/relationships" xmlns:p="http://schemas.openxmlformats.org/presentationml/2006/main">
   <p:cSld>
@@ -3093,17 +3551,19 @@
         </p:nvSpPr>
         <p:spPr/>
         <p:txBody>
-          <a:bodyPr/>
-          <a:lstStyle/>
-          <a:p>
-            <a:r>
-              <a:rPr lang="zh-TW" altLang="en-US" b="1" dirty="0" smtClean="0">
+          <a:bodyPr>
+            <a:normAutofit/>
+          </a:bodyPr>
+          <a:lstStyle/>
+          <a:p>
+            <a:r>
+              <a:rPr lang="zh-TW" altLang="en-US" sz="4800" b="1" dirty="0" smtClean="0">
                 <a:latin typeface="SimHei" panose="02010609060101010101" pitchFamily="49" charset="-122"/>
                 <a:ea typeface="SimHei" panose="02010609060101010101" pitchFamily="49" charset="-122"/>
               </a:rPr>
               <a:t>主題</a:t>
             </a:r>
-            <a:endParaRPr lang="en-GB" dirty="0"/>
+            <a:endParaRPr lang="en-GB" sz="4800" dirty="0"/>
           </a:p>
         </p:txBody>
       </p:sp>
@@ -3119,25 +3579,62 @@
         </p:nvSpPr>
         <p:spPr/>
         <p:txBody>
-          <a:bodyPr/>
-          <a:lstStyle/>
-          <a:p>
-            <a:r>
-              <a:rPr lang="zh-TW" altLang="en-US" dirty="0" smtClean="0"/>
-              <a:t>遠足會</a:t>
-            </a:r>
-            <a:endParaRPr lang="en-US" altLang="zh-TW" dirty="0" smtClean="0"/>
-          </a:p>
-          <a:p>
-            <a:r>
-              <a:rPr lang="zh-TW" altLang="en-US" dirty="0" smtClean="0"/>
-              <a:t>一個本地的遠足</a:t>
-            </a:r>
-            <a:r>
-              <a:rPr lang="zh-TW" altLang="en-US" dirty="0" smtClean="0"/>
+          <a:bodyPr>
+            <a:normAutofit/>
+          </a:bodyPr>
+          <a:lstStyle/>
+          <a:p>
+            <a:r>
+              <a:rPr lang="zh-TW" altLang="en-US" sz="4000" dirty="0" smtClean="0"/>
+              <a:t>大方向</a:t>
+            </a:r>
+            <a:r>
+              <a:rPr lang="en-US" altLang="zh-TW" sz="4000" dirty="0"/>
+              <a:t>︰</a:t>
+            </a:r>
+            <a:r>
+              <a:rPr lang="zh-TW" altLang="en-US" sz="4000" dirty="0" smtClean="0"/>
+              <a:t>遠足</a:t>
+            </a:r>
+            <a:r>
+              <a:rPr lang="zh-TW" altLang="en-US" sz="4000" dirty="0" smtClean="0"/>
               <a:t>會</a:t>
             </a:r>
-            <a:endParaRPr lang="en-GB" dirty="0"/>
+            <a:endParaRPr lang="en-US" altLang="zh-TW" sz="4000" dirty="0" smtClean="0"/>
+          </a:p>
+          <a:p>
+            <a:r>
+              <a:rPr lang="zh-TW" altLang="en-US" sz="4000" dirty="0" smtClean="0"/>
+              <a:t>焦點</a:t>
+            </a:r>
+            <a:r>
+              <a:rPr lang="en-US" altLang="zh-TW" sz="4000" dirty="0" smtClean="0"/>
+              <a:t>︰</a:t>
+            </a:r>
+            <a:r>
+              <a:rPr lang="zh-TW" altLang="en-US" sz="4000" dirty="0" smtClean="0"/>
+              <a:t>香港本地的遠足會</a:t>
+            </a:r>
+            <a:endParaRPr lang="en-US" altLang="zh-TW" sz="4000" dirty="0" smtClean="0"/>
+          </a:p>
+          <a:p>
+            <a:r>
+              <a:rPr lang="zh-TW" altLang="en-US" sz="4000" dirty="0" smtClean="0"/>
+              <a:t>主題</a:t>
+            </a:r>
+            <a:r>
+              <a:rPr lang="en-US" altLang="zh-TW" sz="4000" dirty="0" smtClean="0"/>
+              <a:t>︰</a:t>
+            </a:r>
+            <a:r>
+              <a:rPr lang="zh-TW" altLang="en-US" sz="4000" dirty="0" smtClean="0"/>
+              <a:t>一個香港本地</a:t>
+            </a:r>
+            <a:r>
+              <a:rPr lang="zh-TW" altLang="en-US" sz="4000" dirty="0" smtClean="0"/>
+              <a:t>的遠足會</a:t>
+            </a:r>
+            <a:endParaRPr lang="en-GB" sz="4000" dirty="0"/>
           </a:p>
         </p:txBody>
       </p:sp>
@@ -3183,17 +3680,19 @@
         </p:nvSpPr>
         <p:spPr/>
         <p:txBody>
-          <a:bodyPr/>
-          <a:lstStyle/>
-          <a:p>
-            <a:r>
-              <a:rPr lang="zh-TW" altLang="en-US" b="1" dirty="0" smtClean="0">
+          <a:bodyPr>
+            <a:normAutofit/>
+          </a:bodyPr>
+          <a:lstStyle/>
+          <a:p>
+            <a:r>
+              <a:rPr lang="zh-TW" altLang="en-US" sz="4800" b="1" dirty="0" smtClean="0">
                 <a:latin typeface="SimHei" panose="02010609060101010101" pitchFamily="49" charset="-122"/>
                 <a:ea typeface="SimHei" panose="02010609060101010101" pitchFamily="49" charset="-122"/>
               </a:rPr>
               <a:t>硏究方法</a:t>
             </a:r>
-            <a:endParaRPr lang="en-GB" b="1" dirty="0">
+            <a:endParaRPr lang="en-GB" sz="4800" b="1" dirty="0">
               <a:latin typeface="SimHei" panose="02010609060101010101" pitchFamily="49" charset="-122"/>
               <a:ea typeface="SimHei" panose="02010609060101010101" pitchFamily="49" charset="-122"/>
             </a:endParaRPr>
@@ -3216,45 +3715,53 @@
           <a:lstStyle/>
           <a:p>
             <a:r>
-              <a:rPr lang="zh-TW" altLang="en-US" dirty="0" smtClean="0"/>
-              <a:t>介紹方法</a:t>
-            </a:r>
-            <a:endParaRPr lang="en-US" altLang="zh-TW" dirty="0" smtClean="0"/>
-          </a:p>
-          <a:p>
-            <a:r>
-              <a:rPr lang="zh-TW" altLang="en-US" dirty="0" smtClean="0"/>
-              <a:t>用了多種方法</a:t>
-            </a:r>
-            <a:r>
-              <a:rPr lang="zh-TW" altLang="en-US" dirty="0" smtClean="0"/>
-              <a:t>？</a:t>
-            </a:r>
-            <a:endParaRPr lang="en-US" altLang="zh-TW" dirty="0" smtClean="0"/>
+              <a:rPr lang="zh-TW" altLang="en-US" sz="4000" dirty="0" smtClean="0"/>
+              <a:t>計劃用以下方法進行硏究</a:t>
+            </a:r>
+            <a:endParaRPr lang="en-US" altLang="zh-TW" sz="4000" dirty="0" smtClean="0"/>
           </a:p>
           <a:p>
             <a:pPr lvl="1"/>
             <a:r>
-              <a:rPr lang="zh-TW" altLang="en-US" dirty="0" smtClean="0"/>
-              <a:t>質性訪談</a:t>
-            </a:r>
-            <a:endParaRPr lang="en-US" altLang="zh-TW" dirty="0" smtClean="0"/>
+              <a:rPr lang="zh-TW" altLang="en-US" sz="4000" dirty="0" smtClean="0"/>
+              <a:t>質</a:t>
+            </a:r>
+            <a:r>
+              <a:rPr lang="zh-TW" altLang="en-US" sz="4000" dirty="0" smtClean="0"/>
+              <a:t>性訪談</a:t>
+            </a:r>
+            <a:endParaRPr lang="en-US" altLang="zh-TW" sz="4000" dirty="0" smtClean="0"/>
           </a:p>
           <a:p>
             <a:pPr lvl="1"/>
             <a:r>
-              <a:rPr lang="zh-TW" altLang="en-US" dirty="0" smtClean="0"/>
+              <a:rPr lang="zh-TW" altLang="en-US" sz="4000" dirty="0" smtClean="0"/>
               <a:t>搜集資料</a:t>
             </a:r>
-            <a:endParaRPr lang="en-US" altLang="zh-TW" dirty="0" smtClean="0"/>
+            <a:endParaRPr lang="en-US" altLang="zh-TW" sz="4000" dirty="0" smtClean="0"/>
           </a:p>
           <a:p>
             <a:pPr lvl="1"/>
             <a:r>
-              <a:rPr lang="zh-TW" altLang="en-US" dirty="0" smtClean="0"/>
-              <a:t>（參與觀察）</a:t>
-            </a:r>
-            <a:endParaRPr lang="en-GB" dirty="0"/>
+              <a:rPr lang="zh-TW" altLang="en-US" sz="4000" dirty="0" smtClean="0"/>
+              <a:t>參與觀察</a:t>
+            </a:r>
+            <a:endParaRPr lang="en-US" altLang="zh-TW" sz="4000" dirty="0" smtClean="0"/>
+          </a:p>
+          <a:p>
+            <a:r>
+              <a:rPr lang="zh-TW" altLang="en-US" sz="4000" dirty="0" smtClean="0"/>
+              <a:t>限制</a:t>
+            </a:r>
+            <a:endParaRPr lang="en-US" altLang="zh-TW" sz="4000" dirty="0" smtClean="0"/>
+          </a:p>
+          <a:p>
+            <a:pPr lvl="1"/>
+            <a:r>
+              <a:rPr lang="zh-TW" altLang="en-US" sz="4000" dirty="0" smtClean="0"/>
+              <a:t>時間</a:t>
+            </a:r>
+            <a:endParaRPr lang="en-GB" sz="4000" dirty="0"/>
           </a:p>
         </p:txBody>
       </p:sp>
@@ -3300,17 +3807,19 @@
         </p:nvSpPr>
         <p:spPr/>
         <p:txBody>
-          <a:bodyPr/>
-          <a:lstStyle/>
-          <a:p>
-            <a:r>
-              <a:rPr lang="zh-TW" altLang="en-US" b="1" dirty="0" smtClean="0">
+          <a:bodyPr>
+            <a:normAutofit/>
+          </a:bodyPr>
+          <a:lstStyle/>
+          <a:p>
+            <a:r>
+              <a:rPr lang="zh-TW" altLang="en-US" sz="4800" b="1" dirty="0" smtClean="0">
                 <a:latin typeface="SimHei" panose="02010609060101010101" pitchFamily="49" charset="-122"/>
                 <a:ea typeface="SimHei" panose="02010609060101010101" pitchFamily="49" charset="-122"/>
               </a:rPr>
-              <a:t>介紹文化</a:t>
-            </a:r>
-            <a:endParaRPr lang="en-GB" b="1" dirty="0">
+              <a:t>文化</a:t>
+            </a:r>
+            <a:endParaRPr lang="en-GB" sz="4800" b="1" dirty="0">
               <a:latin typeface="SimHei" panose="02010609060101010101" pitchFamily="49" charset="-122"/>
               <a:ea typeface="SimHei" panose="02010609060101010101" pitchFamily="49" charset="-122"/>
             </a:endParaRPr>
@@ -3329,10 +3838,37 @@
         </p:nvSpPr>
         <p:spPr/>
         <p:txBody>
-          <a:bodyPr/>
-          <a:lstStyle/>
-          <a:p>
-            <a:endParaRPr lang="en-GB" dirty="0"/>
+          <a:bodyPr>
+            <a:normAutofit/>
+          </a:bodyPr>
+          <a:lstStyle/>
+          <a:p>
+            <a:r>
+              <a:rPr lang="zh-TW" altLang="en-US" sz="4000" dirty="0" smtClean="0"/>
+              <a:t>庸社行友</a:t>
+            </a:r>
+            <a:endParaRPr lang="en-US" altLang="zh-TW" sz="4000" dirty="0" smtClean="0"/>
+          </a:p>
+          <a:p>
+            <a:r>
+              <a:rPr lang="zh-TW" altLang="en-US" sz="4000" dirty="0" smtClean="0"/>
+              <a:t>一九三二年成立</a:t>
+            </a:r>
+            <a:endParaRPr lang="en-US" altLang="zh-TW" sz="4000" dirty="0" smtClean="0"/>
+          </a:p>
+          <a:p>
+            <a:r>
+              <a:rPr lang="zh-TW" altLang="en-US" sz="4000" dirty="0" smtClean="0"/>
+              <a:t>最初由一班志同道合的公務員、報社職員組成</a:t>
+            </a:r>
+            <a:endParaRPr lang="en-US" altLang="zh-TW" sz="4000" dirty="0" smtClean="0"/>
+          </a:p>
+          <a:p>
+            <a:r>
+              <a:rPr lang="zh-TW" altLang="en-US" sz="4000" dirty="0" smtClean="0"/>
+              <a:t>現時有大約一百位成員</a:t>
+            </a:r>
+            <a:endParaRPr lang="en-GB" sz="4000" dirty="0"/>
           </a:p>
         </p:txBody>
       </p:sp>
@@ -3378,17 +3914,19 @@
         </p:nvSpPr>
         <p:spPr/>
         <p:txBody>
-          <a:bodyPr/>
-          <a:lstStyle/>
-          <a:p>
-            <a:r>
-              <a:rPr lang="zh-TW" altLang="en-US" b="1" dirty="0" smtClean="0">
+          <a:bodyPr>
+            <a:normAutofit/>
+          </a:bodyPr>
+          <a:lstStyle/>
+          <a:p>
+            <a:r>
+              <a:rPr lang="zh-TW" altLang="en-US" sz="4800" b="1" dirty="0" smtClean="0">
                 <a:latin typeface="SimHei" panose="02010609060101010101" pitchFamily="49" charset="-122"/>
                 <a:ea typeface="SimHei" panose="02010609060101010101" pitchFamily="49" charset="-122"/>
               </a:rPr>
-              <a:t>分類樹</a:t>
-            </a:r>
-            <a:endParaRPr lang="en-GB" b="1" dirty="0">
+              <a:t>文化</a:t>
+            </a:r>
+            <a:endParaRPr lang="en-GB" sz="4800" b="1" dirty="0">
               <a:latin typeface="SimHei" panose="02010609060101010101" pitchFamily="49" charset="-122"/>
               <a:ea typeface="SimHei" panose="02010609060101010101" pitchFamily="49" charset="-122"/>
             </a:endParaRPr>
@@ -3407,43 +3945,54 @@
         </p:nvSpPr>
         <p:spPr/>
         <p:txBody>
-          <a:bodyPr/>
-          <a:lstStyle/>
-          <a:p>
-            <a:r>
-              <a:rPr lang="en-US" dirty="0" smtClean="0"/>
-              <a:t>[</a:t>
-            </a:r>
-            <a:r>
-              <a:rPr lang="zh-TW" altLang="en-US" dirty="0" smtClean="0"/>
-              <a:t>遠足會分類樹</a:t>
-            </a:r>
-            <a:r>
-              <a:rPr lang="en-US" dirty="0" smtClean="0"/>
-              <a:t>]</a:t>
-            </a:r>
-          </a:p>
-          <a:p>
-            <a:r>
-              <a:rPr lang="en-US" altLang="zh-TW" dirty="0" smtClean="0"/>
-              <a:t>[</a:t>
-            </a:r>
-            <a:r>
-              <a:rPr lang="zh-TW" altLang="en-US" dirty="0" smtClean="0"/>
-              <a:t>隊伍角色分類樹</a:t>
-            </a:r>
-            <a:r>
-              <a:rPr lang="en-US" altLang="zh-TW" dirty="0" smtClean="0"/>
-              <a:t>]</a:t>
-            </a:r>
-            <a:endParaRPr lang="en-GB" dirty="0"/>
+          <a:bodyPr>
+            <a:normAutofit/>
+          </a:bodyPr>
+          <a:lstStyle/>
+          <a:p>
+            <a:r>
+              <a:rPr lang="zh-TW" altLang="en-US" sz="4000" dirty="0" smtClean="0"/>
+              <a:t>團友都是自願性參與活動</a:t>
+            </a:r>
+            <a:endParaRPr lang="en-US" altLang="zh-TW" sz="4000" dirty="0" smtClean="0"/>
+          </a:p>
+          <a:p>
+            <a:pPr lvl="1"/>
+            <a:r>
+              <a:rPr lang="zh-TW" altLang="en-US" sz="4000" dirty="0" smtClean="0"/>
+              <a:t>出席率達標者會獲頒證書以作鼓勵</a:t>
+            </a:r>
+            <a:endParaRPr lang="en-US" altLang="zh-TW" sz="4000" dirty="0" smtClean="0"/>
+          </a:p>
+          <a:p>
+            <a:r>
+              <a:rPr lang="zh-TW" altLang="en-US" sz="4000" dirty="0" smtClean="0"/>
+              <a:t>財政方面</a:t>
+            </a:r>
+            <a:endParaRPr lang="en-US" altLang="zh-TW" sz="4000" dirty="0"/>
+          </a:p>
+          <a:p>
+            <a:pPr lvl="1"/>
+            <a:r>
+              <a:rPr lang="zh-TW" altLang="en-US" sz="4000" dirty="0" smtClean="0"/>
+              <a:t>經費來自各團友，多用於安排交通</a:t>
+            </a:r>
+            <a:endParaRPr lang="en-US" altLang="zh-TW" sz="4000" dirty="0" smtClean="0"/>
+          </a:p>
+          <a:p>
+            <a:pPr lvl="1"/>
+            <a:r>
+              <a:rPr lang="zh-TW" altLang="en-US" sz="4000" dirty="0" smtClean="0"/>
+              <a:t>若有盈餘會於大食會，和年底的社慶</a:t>
+            </a:r>
+            <a:endParaRPr lang="en-GB" sz="4000" dirty="0"/>
           </a:p>
         </p:txBody>
       </p:sp>
     </p:spTree>
     <p:extLst>
       <p:ext uri="{BB962C8B-B14F-4D97-AF65-F5344CB8AC3E}">
-        <p14:creationId xmlns:p14="http://schemas.microsoft.com/office/powerpoint/2010/main" val="3241739857"/>
+        <p14:creationId xmlns:p14="http://schemas.microsoft.com/office/powerpoint/2010/main" val="2621713889"/>
       </p:ext>
     </p:extLst>
   </p:cSld>
@@ -3482,17 +4031,19 @@
         </p:nvSpPr>
         <p:spPr/>
         <p:txBody>
-          <a:bodyPr/>
-          <a:lstStyle/>
-          <a:p>
-            <a:r>
-              <a:rPr lang="zh-TW" altLang="en-US" b="1" dirty="0" smtClean="0">
+          <a:bodyPr>
+            <a:normAutofit/>
+          </a:bodyPr>
+          <a:lstStyle/>
+          <a:p>
+            <a:r>
+              <a:rPr lang="zh-TW" altLang="en-US" sz="4800" b="1" dirty="0" smtClean="0">
                 <a:latin typeface="SimHei" panose="02010609060101010101" pitchFamily="49" charset="-122"/>
                 <a:ea typeface="SimHei" panose="02010609060101010101" pitchFamily="49" charset="-122"/>
               </a:rPr>
-              <a:t>相片、圖表</a:t>
-            </a:r>
-            <a:endParaRPr lang="en-GB" b="1" dirty="0">
+              <a:t>文化</a:t>
+            </a:r>
+            <a:endParaRPr lang="en-GB" sz="4800" b="1" dirty="0">
               <a:latin typeface="SimHei" panose="02010609060101010101" pitchFamily="49" charset="-122"/>
               <a:ea typeface="SimHei" panose="02010609060101010101" pitchFamily="49" charset="-122"/>
             </a:endParaRPr>
@@ -3511,57 +4062,60 @@
         </p:nvSpPr>
         <p:spPr/>
         <p:txBody>
-          <a:bodyPr/>
-          <a:lstStyle/>
-          <a:p>
-            <a:r>
-              <a:rPr lang="en-US" altLang="zh-TW" dirty="0" smtClean="0"/>
-              <a:t>[</a:t>
-            </a:r>
-            <a:r>
-              <a:rPr lang="zh-TW" altLang="en-US" dirty="0" smtClean="0"/>
-              <a:t>遠足相片</a:t>
-            </a:r>
-            <a:r>
-              <a:rPr lang="en-US" altLang="zh-TW" dirty="0" smtClean="0"/>
-              <a:t>]</a:t>
-            </a:r>
-          </a:p>
-          <a:p>
-            <a:r>
-              <a:rPr lang="en-US" altLang="zh-TW" dirty="0" smtClean="0"/>
-              <a:t>[</a:t>
-            </a:r>
-            <a:r>
-              <a:rPr lang="zh-TW" altLang="en-US" dirty="0" smtClean="0"/>
-              <a:t>行程通告</a:t>
-            </a:r>
-            <a:r>
-              <a:rPr lang="en-US" altLang="zh-TW" dirty="0" smtClean="0"/>
-              <a:t>]</a:t>
-            </a:r>
-          </a:p>
-          <a:p>
-            <a:r>
-              <a:rPr lang="en-US" altLang="zh-TW" dirty="0" smtClean="0"/>
-              <a:t>[</a:t>
-            </a:r>
-            <a:r>
-              <a:rPr lang="zh-TW" altLang="en-US" dirty="0" smtClean="0"/>
-              <a:t>遠足</a:t>
-            </a:r>
-            <a:r>
-              <a:rPr lang="en-US" altLang="zh-TW" smtClean="0"/>
-              <a:t> apps]</a:t>
-            </a:r>
-            <a:endParaRPr lang="en-GB" dirty="0"/>
+          <a:bodyPr>
+            <a:normAutofit/>
+          </a:bodyPr>
+          <a:lstStyle/>
+          <a:p>
+            <a:r>
+              <a:rPr lang="zh-TW" altLang="en-US" sz="4000" dirty="0" smtClean="0"/>
+              <a:t>路線</a:t>
+            </a:r>
+            <a:r>
+              <a:rPr lang="en-US" altLang="zh-TW" sz="4000" dirty="0" smtClean="0"/>
+              <a:t>︰</a:t>
+            </a:r>
+            <a:r>
+              <a:rPr lang="zh-TW" altLang="en-US" sz="4000" dirty="0" smtClean="0"/>
+              <a:t>選一些只有山路的路線，盡量遠離海邊和石澗</a:t>
+            </a:r>
+            <a:endParaRPr lang="en-US" altLang="zh-TW" sz="4000" dirty="0" smtClean="0"/>
+          </a:p>
+          <a:p>
+            <a:r>
+              <a:rPr lang="zh-TW" altLang="en-US" sz="4000" dirty="0" smtClean="0"/>
+              <a:t>每次活動分開兩隊</a:t>
+            </a:r>
+            <a:r>
+              <a:rPr lang="en-US" altLang="zh-TW" sz="4000" dirty="0" smtClean="0"/>
+              <a:t>︰</a:t>
+            </a:r>
+            <a:r>
+              <a:rPr lang="zh-TW" altLang="en-US" sz="4000" dirty="0" smtClean="0"/>
+              <a:t>長線和中線</a:t>
+            </a:r>
+            <a:endParaRPr lang="en-US" altLang="zh-TW" sz="4000" dirty="0" smtClean="0"/>
+          </a:p>
+          <a:p>
+            <a:r>
+              <a:rPr lang="zh-TW" altLang="en-US" sz="4000" dirty="0" smtClean="0"/>
+              <a:t>長線隊和中線隊各有一位負責頭和尾的行友，和中間的服務行友</a:t>
+            </a:r>
+            <a:endParaRPr lang="en-US" altLang="zh-TW" sz="4000" dirty="0" smtClean="0"/>
+          </a:p>
+          <a:p>
+            <a:r>
+              <a:rPr lang="zh-TW" altLang="en-US" sz="4000" dirty="0" smtClean="0"/>
+              <a:t>規範（守則）</a:t>
+            </a:r>
+            <a:endParaRPr lang="en-GB" sz="4000" dirty="0"/>
           </a:p>
         </p:txBody>
       </p:sp>
     </p:spTree>
     <p:extLst>
       <p:ext uri="{BB962C8B-B14F-4D97-AF65-F5344CB8AC3E}">
-        <p14:creationId xmlns:p14="http://schemas.microsoft.com/office/powerpoint/2010/main" val="1710358175"/>
+        <p14:creationId xmlns:p14="http://schemas.microsoft.com/office/powerpoint/2010/main" val="4172025576"/>
       </p:ext>
     </p:extLst>
   </p:cSld>
@@ -3600,46 +4154,84 @@
         </p:nvSpPr>
         <p:spPr/>
         <p:txBody>
-          <a:bodyPr/>
-          <a:lstStyle/>
-          <a:p>
-            <a:r>
-              <a:rPr lang="zh-TW" altLang="en-US" b="1" dirty="0" smtClean="0">
+          <a:bodyPr>
+            <a:normAutofit/>
+          </a:bodyPr>
+          <a:lstStyle/>
+          <a:p>
+            <a:r>
+              <a:rPr lang="zh-TW" altLang="en-US" sz="4800" b="1" dirty="0" smtClean="0">
                 <a:latin typeface="SimHei" panose="02010609060101010101" pitchFamily="49" charset="-122"/>
                 <a:ea typeface="SimHei" panose="02010609060101010101" pitchFamily="49" charset="-122"/>
               </a:rPr>
-              <a:t>基本分析</a:t>
-            </a:r>
-            <a:endParaRPr lang="en-GB" b="1" dirty="0">
+              <a:t>文化</a:t>
+            </a:r>
+            <a:endParaRPr lang="en-GB" sz="4800" b="1" dirty="0">
               <a:latin typeface="SimHei" panose="02010609060101010101" pitchFamily="49" charset="-122"/>
               <a:ea typeface="SimHei" panose="02010609060101010101" pitchFamily="49" charset="-122"/>
             </a:endParaRPr>
           </a:p>
         </p:txBody>
       </p:sp>
-      <p:sp>
-        <p:nvSpPr>
-          <p:cNvPr id="3" name="內容版面配置區 2"/>
-          <p:cNvSpPr>
-            <a:spLocks noGrp="1"/>
-          </p:cNvSpPr>
+      <p:pic>
+        <p:nvPicPr>
+          <p:cNvPr id="5" name="內容版面配置區 4"/>
+          <p:cNvPicPr>
+            <a:picLocks noGrp="1" noChangeAspect="1"/>
+          </p:cNvPicPr>
           <p:nvPr>
             <p:ph idx="1"/>
           </p:nvPr>
-        </p:nvSpPr>
-        <p:spPr/>
-        <p:txBody>
-          <a:bodyPr/>
-          <a:lstStyle/>
-          <a:p>
-            <a:endParaRPr lang="en-GB" dirty="0"/>
+        </p:nvPicPr>
+        <p:blipFill>
+          <a:blip r:embed="rId2"/>
+          <a:stretch>
+            <a:fillRect/>
+          </a:stretch>
+        </p:blipFill>
+        <p:spPr>
+          <a:xfrm>
+            <a:off x="1588878" y="1690688"/>
+            <a:ext cx="6105578" cy="4351338"/>
+          </a:xfrm>
+          <a:prstGeom prst="rect">
+            <a:avLst/>
+          </a:prstGeom>
+        </p:spPr>
+      </p:pic>
+      <p:sp>
+        <p:nvSpPr>
+          <p:cNvPr id="6" name="文字方塊 5"/>
+          <p:cNvSpPr txBox="1"/>
+          <p:nvPr/>
+        </p:nvSpPr>
+        <p:spPr>
+          <a:xfrm>
+            <a:off x="1588878" y="6130834"/>
+            <a:ext cx="8456022" cy="369332"/>
+          </a:xfrm>
+          <a:prstGeom prst="rect">
+            <a:avLst/>
+          </a:prstGeom>
+          <a:noFill/>
+        </p:spPr>
+        <p:txBody>
+          <a:bodyPr wrap="square" rtlCol="0">
+            <a:spAutoFit/>
+          </a:bodyPr>
+          <a:lstStyle/>
+          <a:p>
+            <a:r>
+              <a:rPr lang="en-GB" dirty="0"/>
+              <a:t>http://yungshehhikers.org/yungshehhikers-info/about-26-8-2016.html</a:t>
+            </a:r>
           </a:p>
         </p:txBody>
       </p:sp>
     </p:spTree>
     <p:extLst>
       <p:ext uri="{BB962C8B-B14F-4D97-AF65-F5344CB8AC3E}">
-        <p14:creationId xmlns:p14="http://schemas.microsoft.com/office/powerpoint/2010/main" val="2805359318"/>
+        <p14:creationId xmlns:p14="http://schemas.microsoft.com/office/powerpoint/2010/main" val="411473672"/>
       </p:ext>
     </p:extLst>
   </p:cSld>
@@ -3678,6 +4270,116 @@
         </p:nvSpPr>
         <p:spPr/>
         <p:txBody>
+          <a:bodyPr>
+            <a:normAutofit/>
+          </a:bodyPr>
+          <a:lstStyle/>
+          <a:p>
+            <a:r>
+              <a:rPr lang="zh-TW" altLang="en-US" sz="4800" b="1" dirty="0" smtClean="0">
+                <a:latin typeface="SimHei" panose="02010609060101010101" pitchFamily="49" charset="-122"/>
+                <a:ea typeface="SimHei" panose="02010609060101010101" pitchFamily="49" charset="-122"/>
+              </a:rPr>
+              <a:t>文化</a:t>
+            </a:r>
+            <a:endParaRPr lang="en-GB" sz="4800" b="1" dirty="0">
+              <a:latin typeface="SimHei" panose="02010609060101010101" pitchFamily="49" charset="-122"/>
+              <a:ea typeface="SimHei" panose="02010609060101010101" pitchFamily="49" charset="-122"/>
+            </a:endParaRPr>
+          </a:p>
+        </p:txBody>
+      </p:sp>
+      <p:sp>
+        <p:nvSpPr>
+          <p:cNvPr id="3" name="內容版面配置區 2"/>
+          <p:cNvSpPr>
+            <a:spLocks noGrp="1"/>
+          </p:cNvSpPr>
+          <p:nvPr>
+            <p:ph idx="1"/>
+          </p:nvPr>
+        </p:nvSpPr>
+        <p:spPr/>
+        <p:txBody>
+          <a:bodyPr>
+            <a:normAutofit/>
+          </a:bodyPr>
+          <a:lstStyle/>
+          <a:p>
+            <a:r>
+              <a:rPr lang="zh-TW" altLang="en-US" sz="4000" dirty="0" smtClean="0"/>
+              <a:t>編排路線、行程</a:t>
+            </a:r>
+            <a:endParaRPr lang="en-US" altLang="zh-TW" sz="4000" dirty="0"/>
+          </a:p>
+          <a:p>
+            <a:pPr lvl="1"/>
+            <a:r>
+              <a:rPr lang="zh-TW" altLang="en-US" sz="4000" dirty="0" smtClean="0"/>
+              <a:t>由幾位主要成員負責</a:t>
+            </a:r>
+            <a:endParaRPr lang="en-US" altLang="zh-TW" sz="4000" dirty="0" smtClean="0"/>
+          </a:p>
+          <a:p>
+            <a:pPr lvl="1"/>
+            <a:r>
+              <a:rPr lang="zh-TW" altLang="en-US" sz="4000" dirty="0" smtClean="0"/>
+              <a:t>用手機應用程式計劃和記錄路線</a:t>
+            </a:r>
+            <a:endParaRPr lang="en-US" altLang="zh-TW" sz="4000" dirty="0" smtClean="0"/>
+          </a:p>
+          <a:p>
+            <a:pPr lvl="1"/>
+            <a:r>
+              <a:rPr lang="zh-TW" altLang="en-US" sz="4000" dirty="0" smtClean="0"/>
+              <a:t>透過互聯網跟團友分享</a:t>
+            </a:r>
+            <a:endParaRPr lang="en-GB" sz="4000" dirty="0"/>
+          </a:p>
+        </p:txBody>
+      </p:sp>
+    </p:spTree>
+    <p:extLst>
+      <p:ext uri="{BB962C8B-B14F-4D97-AF65-F5344CB8AC3E}">
+        <p14:creationId xmlns:p14="http://schemas.microsoft.com/office/powerpoint/2010/main" val="2884467302"/>
+      </p:ext>
+    </p:extLst>
+  </p:cSld>
+  <p:clrMapOvr>
+    <a:masterClrMapping/>
+  </p:clrMapOvr>
+</p:sld>
+</file>
+
+<file path=ppt/slides/slide9.xml><?xml version="1.0" encoding="utf-8"?>
+<p:sld xmlns:a="http://schemas.openxmlformats.org/drawingml/2006/main" xmlns:r="http://schemas.openxmlformats.org/officeDocument/2006/relationships" xmlns:p="http://schemas.openxmlformats.org/presentationml/2006/main">
+  <p:cSld>
+    <p:spTree>
+      <p:nvGrpSpPr>
+        <p:cNvPr id="1" name=""/>
+        <p:cNvGrpSpPr/>
+        <p:nvPr/>
+      </p:nvGrpSpPr>
+      <p:grpSpPr>
+        <a:xfrm>
+          <a:off x="0" y="0"/>
+          <a:ext cx="0" cy="0"/>
+          <a:chOff x="0" y="0"/>
+          <a:chExt cx="0" cy="0"/>
+        </a:xfrm>
+      </p:grpSpPr>
+      <p:sp>
+        <p:nvSpPr>
+          <p:cNvPr id="2" name="標題 1"/>
+          <p:cNvSpPr>
+            <a:spLocks noGrp="1"/>
+          </p:cNvSpPr>
+          <p:nvPr>
+            <p:ph type="title"/>
+          </p:nvPr>
+        </p:nvSpPr>
+        <p:spPr/>
+        <p:txBody>
           <a:bodyPr/>
           <a:lstStyle/>
           <a:p>
@@ -3686,7 +4388,7 @@
                 <a:latin typeface="SimHei" panose="02010609060101010101" pitchFamily="49" charset="-122"/>
                 <a:ea typeface="SimHei" panose="02010609060101010101" pitchFamily="49" charset="-122"/>
               </a:rPr>
-              <a:t>後記</a:t>
+              <a:t>分類樹</a:t>
             </a:r>
             <a:endParaRPr lang="en-GB" b="1" dirty="0">
               <a:latin typeface="SimHei" panose="02010609060101010101" pitchFamily="49" charset="-122"/>
@@ -3711,8 +4413,30 @@
           <a:lstStyle/>
           <a:p>
             <a:r>
+              <a:rPr lang="en-US" dirty="0" smtClean="0"/>
+              <a:t>[</a:t>
+            </a:r>
+            <a:r>
               <a:rPr lang="zh-TW" altLang="en-US" dirty="0" smtClean="0"/>
-              <a:t>現在跟從前的比較</a:t>
+              <a:t>遠足會分類樹</a:t>
+            </a:r>
+            <a:r>
+              <a:rPr lang="en-US" dirty="0" smtClean="0"/>
+              <a:t>]</a:t>
+            </a:r>
+          </a:p>
+          <a:p>
+            <a:r>
+              <a:rPr lang="en-US" altLang="zh-TW" dirty="0" smtClean="0"/>
+              <a:t>[</a:t>
+            </a:r>
+            <a:r>
+              <a:rPr lang="zh-TW" altLang="en-US" dirty="0" smtClean="0"/>
+              <a:t>隊伍角色分類樹</a:t>
+            </a:r>
+            <a:r>
+              <a:rPr lang="en-US" altLang="zh-TW" dirty="0" smtClean="0"/>
+              <a:t>]</a:t>
             </a:r>
             <a:endParaRPr lang="en-GB" dirty="0"/>
           </a:p>
@@ -3721,7 +4445,7 @@
     </p:spTree>
     <p:extLst>
       <p:ext uri="{BB962C8B-B14F-4D97-AF65-F5344CB8AC3E}">
-        <p14:creationId xmlns:p14="http://schemas.microsoft.com/office/powerpoint/2010/main" val="1393006496"/>
+        <p14:creationId xmlns:p14="http://schemas.microsoft.com/office/powerpoint/2010/main" val="3241739857"/>
       </p:ext>
     </p:extLst>
   </p:cSld>
